--- a/documentation_texts/utca_crate_setup.pptx
+++ b/documentation_texts/utca_crate_setup.pptx
@@ -104,6 +104,11 @@
       </a:defRPr>
     </a:lvl9pPr>
   </p:defaultTextStyle>
+  <p:extLst>
+    <p:ext uri="{EFAFB233-063F-42B5-8137-9DF3F51BA10A}">
+      <p15:sldGuideLst xmlns:p15="http://schemas.microsoft.com/office/powerpoint/2012/main"/>
+    </p:ext>
+  </p:extLst>
 </p:presentation>
 </file>
 
@@ -254,7 +259,7 @@
           <a:p>
             <a:fld id="{88BEEE04-2358-445B-9163-28A080219996}" type="datetimeFigureOut">
               <a:rPr lang="en-US" smtClean="0"/>
-              <a:t>7/3/2025</a:t>
+              <a:t>8/14/2025</a:t>
             </a:fld>
             <a:endParaRPr lang="en-US"/>
           </a:p>
@@ -452,7 +457,7 @@
           <a:p>
             <a:fld id="{88BEEE04-2358-445B-9163-28A080219996}" type="datetimeFigureOut">
               <a:rPr lang="en-US" smtClean="0"/>
-              <a:t>7/3/2025</a:t>
+              <a:t>8/14/2025</a:t>
             </a:fld>
             <a:endParaRPr lang="en-US"/>
           </a:p>
@@ -660,7 +665,7 @@
           <a:p>
             <a:fld id="{88BEEE04-2358-445B-9163-28A080219996}" type="datetimeFigureOut">
               <a:rPr lang="en-US" smtClean="0"/>
-              <a:t>7/3/2025</a:t>
+              <a:t>8/14/2025</a:t>
             </a:fld>
             <a:endParaRPr lang="en-US"/>
           </a:p>
@@ -858,7 +863,7 @@
           <a:p>
             <a:fld id="{88BEEE04-2358-445B-9163-28A080219996}" type="datetimeFigureOut">
               <a:rPr lang="en-US" smtClean="0"/>
-              <a:t>7/3/2025</a:t>
+              <a:t>8/14/2025</a:t>
             </a:fld>
             <a:endParaRPr lang="en-US"/>
           </a:p>
@@ -1133,7 +1138,7 @@
           <a:p>
             <a:fld id="{88BEEE04-2358-445B-9163-28A080219996}" type="datetimeFigureOut">
               <a:rPr lang="en-US" smtClean="0"/>
-              <a:t>7/3/2025</a:t>
+              <a:t>8/14/2025</a:t>
             </a:fld>
             <a:endParaRPr lang="en-US"/>
           </a:p>
@@ -1398,7 +1403,7 @@
           <a:p>
             <a:fld id="{88BEEE04-2358-445B-9163-28A080219996}" type="datetimeFigureOut">
               <a:rPr lang="en-US" smtClean="0"/>
-              <a:t>7/3/2025</a:t>
+              <a:t>8/14/2025</a:t>
             </a:fld>
             <a:endParaRPr lang="en-US"/>
           </a:p>
@@ -1810,7 +1815,7 @@
           <a:p>
             <a:fld id="{88BEEE04-2358-445B-9163-28A080219996}" type="datetimeFigureOut">
               <a:rPr lang="en-US" smtClean="0"/>
-              <a:t>7/3/2025</a:t>
+              <a:t>8/14/2025</a:t>
             </a:fld>
             <a:endParaRPr lang="en-US"/>
           </a:p>
@@ -1951,7 +1956,7 @@
           <a:p>
             <a:fld id="{88BEEE04-2358-445B-9163-28A080219996}" type="datetimeFigureOut">
               <a:rPr lang="en-US" smtClean="0"/>
-              <a:t>7/3/2025</a:t>
+              <a:t>8/14/2025</a:t>
             </a:fld>
             <a:endParaRPr lang="en-US"/>
           </a:p>
@@ -2064,7 +2069,7 @@
           <a:p>
             <a:fld id="{88BEEE04-2358-445B-9163-28A080219996}" type="datetimeFigureOut">
               <a:rPr lang="en-US" smtClean="0"/>
-              <a:t>7/3/2025</a:t>
+              <a:t>8/14/2025</a:t>
             </a:fld>
             <a:endParaRPr lang="en-US"/>
           </a:p>
@@ -2375,7 +2380,7 @@
           <a:p>
             <a:fld id="{88BEEE04-2358-445B-9163-28A080219996}" type="datetimeFigureOut">
               <a:rPr lang="en-US" smtClean="0"/>
-              <a:t>7/3/2025</a:t>
+              <a:t>8/14/2025</a:t>
             </a:fld>
             <a:endParaRPr lang="en-US"/>
           </a:p>
@@ -2663,7 +2668,7 @@
           <a:p>
             <a:fld id="{88BEEE04-2358-445B-9163-28A080219996}" type="datetimeFigureOut">
               <a:rPr lang="en-US" smtClean="0"/>
-              <a:t>7/3/2025</a:t>
+              <a:t>8/14/2025</a:t>
             </a:fld>
             <a:endParaRPr lang="en-US"/>
           </a:p>
@@ -2904,7 +2909,7 @@
           <a:p>
             <a:fld id="{88BEEE04-2358-445B-9163-28A080219996}" type="datetimeFigureOut">
               <a:rPr lang="en-US" smtClean="0"/>
-              <a:t>7/3/2025</a:t>
+              <a:t>8/14/2025</a:t>
             </a:fld>
             <a:endParaRPr lang="en-US"/>
           </a:p>
@@ -3758,7 +3763,7 @@
             <a:avLst/>
           </a:prstGeom>
           <a:noFill/>
-          <a:ln>
+          <a:ln w="38100">
             <a:solidFill>
               <a:srgbClr val="FF0000"/>
             </a:solidFill>
@@ -3804,14 +3809,16 @@
         </p:nvSpPr>
         <p:spPr>
           <a:xfrm>
-            <a:off x="419100" y="5277429"/>
-            <a:ext cx="2601686" cy="923330"/>
+            <a:off x="419759" y="5277429"/>
+            <a:ext cx="2601686" cy="646331"/>
           </a:xfrm>
           <a:prstGeom prst="rect">
             <a:avLst/>
           </a:prstGeom>
-          <a:noFill/>
-          <a:ln>
+          <a:solidFill>
+            <a:schemeClr val="bg1"/>
+          </a:solidFill>
+          <a:ln w="57150">
             <a:solidFill>
               <a:srgbClr val="FF0000"/>
             </a:solidFill>
@@ -3821,11 +3828,15 @@
           <a:bodyPr wrap="square" rtlCol="0">
             <a:spAutoFit/>
           </a:bodyPr>
-          <a:lstStyle/>
+          <a:lstStyle>
+            <a:defPPr>
+              <a:defRPr lang="en-US"/>
+            </a:defPPr>
+          </a:lstStyle>
           <a:p>
             <a:r>
               <a:rPr lang="en-US" dirty="0"/>
-              <a:t>Optional serial to USB connection (Jinglu should have this cable)</a:t>
+              <a:t>Serial to USB connection (for debug)</a:t>
             </a:r>
           </a:p>
         </p:txBody>
@@ -3874,6 +3885,165 @@
           </a:fontRef>
         </p:style>
       </p:cxnSp>
+      <p:sp>
+        <p:nvSpPr>
+          <p:cNvPr id="2" name="Oval 1">
+            <a:extLst>
+              <a:ext uri="{FF2B5EF4-FFF2-40B4-BE49-F238E27FC236}">
+                <a16:creationId xmlns:a16="http://schemas.microsoft.com/office/drawing/2014/main" id="{9F3AC3C9-6D65-F269-86CE-67DF899F96F4}"/>
+              </a:ext>
+            </a:extLst>
+          </p:cNvPr>
+          <p:cNvSpPr/>
+          <p:nvPr/>
+        </p:nvSpPr>
+        <p:spPr>
+          <a:xfrm>
+            <a:off x="1208472" y="2468335"/>
+            <a:ext cx="778329" cy="887186"/>
+          </a:xfrm>
+          <a:prstGeom prst="ellipse">
+            <a:avLst/>
+          </a:prstGeom>
+          <a:noFill/>
+          <a:ln w="38100">
+            <a:solidFill>
+              <a:srgbClr val="FF0000"/>
+            </a:solidFill>
+            <a:prstDash val="sysDot"/>
+          </a:ln>
+        </p:spPr>
+        <p:style>
+          <a:lnRef idx="2">
+            <a:schemeClr val="accent1">
+              <a:shade val="15000"/>
+            </a:schemeClr>
+          </a:lnRef>
+          <a:fillRef idx="1">
+            <a:schemeClr val="accent1"/>
+          </a:fillRef>
+          <a:effectRef idx="0">
+            <a:schemeClr val="accent1"/>
+          </a:effectRef>
+          <a:fontRef idx="minor">
+            <a:schemeClr val="lt1"/>
+          </a:fontRef>
+        </p:style>
+        <p:txBody>
+          <a:bodyPr rtlCol="0" anchor="ctr"/>
+          <a:lstStyle/>
+          <a:p>
+            <a:pPr algn="ctr"/>
+            <a:endParaRPr lang="en-US"/>
+          </a:p>
+        </p:txBody>
+      </p:sp>
+      <p:sp>
+        <p:nvSpPr>
+          <p:cNvPr id="3" name="Oval 2">
+            <a:extLst>
+              <a:ext uri="{FF2B5EF4-FFF2-40B4-BE49-F238E27FC236}">
+                <a16:creationId xmlns:a16="http://schemas.microsoft.com/office/drawing/2014/main" id="{9AEA20C1-33DB-A741-0DFD-ECB417955D8E}"/>
+              </a:ext>
+            </a:extLst>
+          </p:cNvPr>
+          <p:cNvSpPr/>
+          <p:nvPr/>
+        </p:nvSpPr>
+        <p:spPr>
+          <a:xfrm>
+            <a:off x="8303269" y="1635399"/>
+            <a:ext cx="710102" cy="698226"/>
+          </a:xfrm>
+          <a:prstGeom prst="ellipse">
+            <a:avLst/>
+          </a:prstGeom>
+          <a:noFill/>
+          <a:ln w="38100">
+            <a:solidFill>
+              <a:srgbClr val="FF0000"/>
+            </a:solidFill>
+            <a:prstDash val="sysDot"/>
+          </a:ln>
+        </p:spPr>
+        <p:style>
+          <a:lnRef idx="2">
+            <a:schemeClr val="accent1">
+              <a:shade val="15000"/>
+            </a:schemeClr>
+          </a:lnRef>
+          <a:fillRef idx="1">
+            <a:schemeClr val="accent1"/>
+          </a:fillRef>
+          <a:effectRef idx="0">
+            <a:schemeClr val="accent1"/>
+          </a:effectRef>
+          <a:fontRef idx="minor">
+            <a:schemeClr val="lt1"/>
+          </a:fontRef>
+        </p:style>
+        <p:txBody>
+          <a:bodyPr rtlCol="0" anchor="ctr"/>
+          <a:lstStyle/>
+          <a:p>
+            <a:pPr algn="ctr"/>
+            <a:endParaRPr lang="en-US"/>
+          </a:p>
+        </p:txBody>
+      </p:sp>
+      <p:sp>
+        <p:nvSpPr>
+          <p:cNvPr id="4" name="Oval 3">
+            <a:extLst>
+              <a:ext uri="{FF2B5EF4-FFF2-40B4-BE49-F238E27FC236}">
+                <a16:creationId xmlns:a16="http://schemas.microsoft.com/office/drawing/2014/main" id="{F0044FDE-C849-4B11-1CB3-21587CCF66BF}"/>
+              </a:ext>
+            </a:extLst>
+          </p:cNvPr>
+          <p:cNvSpPr/>
+          <p:nvPr/>
+        </p:nvSpPr>
+        <p:spPr>
+          <a:xfrm>
+            <a:off x="5495776" y="4255468"/>
+            <a:ext cx="943124" cy="927350"/>
+          </a:xfrm>
+          <a:prstGeom prst="ellipse">
+            <a:avLst/>
+          </a:prstGeom>
+          <a:noFill/>
+          <a:ln w="38100">
+            <a:solidFill>
+              <a:srgbClr val="FF0000"/>
+            </a:solidFill>
+            <a:prstDash val="sysDot"/>
+          </a:ln>
+        </p:spPr>
+        <p:style>
+          <a:lnRef idx="2">
+            <a:schemeClr val="accent1">
+              <a:shade val="15000"/>
+            </a:schemeClr>
+          </a:lnRef>
+          <a:fillRef idx="1">
+            <a:schemeClr val="accent1"/>
+          </a:fillRef>
+          <a:effectRef idx="0">
+            <a:schemeClr val="accent1"/>
+          </a:effectRef>
+          <a:fontRef idx="minor">
+            <a:schemeClr val="lt1"/>
+          </a:fontRef>
+        </p:style>
+        <p:txBody>
+          <a:bodyPr rtlCol="0" anchor="ctr"/>
+          <a:lstStyle/>
+          <a:p>
+            <a:pPr algn="ctr"/>
+            <a:endParaRPr lang="en-US"/>
+          </a:p>
+        </p:txBody>
+      </p:sp>
     </p:spTree>
     <p:extLst>
       <p:ext uri="{BB962C8B-B14F-4D97-AF65-F5344CB8AC3E}">
